--- a/final_presentation.pptx
+++ b/final_presentation.pptx
@@ -12,11 +12,11 @@
     <p:sldId id="257" r:id="rId3"/>
     <p:sldId id="258" r:id="rId4"/>
     <p:sldId id="259" r:id="rId5"/>
-    <p:sldId id="260" r:id="rId6"/>
-    <p:sldId id="267" r:id="rId7"/>
-    <p:sldId id="268" r:id="rId8"/>
-    <p:sldId id="262" r:id="rId9"/>
-    <p:sldId id="269" r:id="rId10"/>
+    <p:sldId id="267" r:id="rId6"/>
+    <p:sldId id="274" r:id="rId7"/>
+    <p:sldId id="269" r:id="rId8"/>
+    <p:sldId id="268" r:id="rId9"/>
+    <p:sldId id="262" r:id="rId10"/>
     <p:sldId id="270" r:id="rId11"/>
     <p:sldId id="271" r:id="rId12"/>
     <p:sldId id="272" r:id="rId13"/>
@@ -6378,7 +6378,7 @@
           <a:p>
             <a:fld id="{215E1E74-B4B5-4777-9AF3-FB8953F931C8}" type="datetimeFigureOut">
               <a:rPr lang="nl-NL" smtClean="0"/>
-              <a:t>28-8-2024</a:t>
+              <a:t>2-9-2024</a:t>
             </a:fld>
             <a:endParaRPr lang="nl-NL"/>
           </a:p>
@@ -7580,15 +7580,7 @@
           <a:p>
             <a:r>
               <a:rPr lang="en-US" dirty="0"/>
-              <a:t>The data for my analysis was sourced from </a:t>
-            </a:r>
-            <a:r>
-              <a:rPr lang="en-US" dirty="0" err="1"/>
-              <a:t>PassMark</a:t>
-            </a:r>
-            <a:r>
-              <a:rPr lang="en-US" dirty="0"/>
-              <a:t>, a well-known platform for benchmarking computer hardware. Using R and Python, I scraped data on CPUs, GPUs, RAM, and disks. After data cleaning, I adjusted prices for inflation to provide a consistent basis for comparison. Statistical analysis was then conducted on each component to understand their performance trends over time.</a:t>
+              <a:t>Understanding price trends and forecasting technological improvements was crucial for my research. I employed non-linear regression models to forecast how the performance of components deteriorates over time. This analysis helped me predict when a component might become obsolete, informing the timing for potential upgrades.</a:t>
             </a:r>
             <a:endParaRPr lang="nl-NL" dirty="0"/>
           </a:p>
@@ -7620,7 +7612,7 @@
     </p:spTree>
     <p:extLst>
       <p:ext uri="{BB962C8B-B14F-4D97-AF65-F5344CB8AC3E}">
-        <p14:creationId xmlns:p14="http://schemas.microsoft.com/office/powerpoint/2010/main" val="2498247522"/>
+        <p14:creationId xmlns:p14="http://schemas.microsoft.com/office/powerpoint/2010/main" val="252475029"/>
       </p:ext>
     </p:extLst>
   </p:cSld>
@@ -7708,7 +7700,7 @@
     </p:spTree>
     <p:extLst>
       <p:ext uri="{BB962C8B-B14F-4D97-AF65-F5344CB8AC3E}">
-        <p14:creationId xmlns:p14="http://schemas.microsoft.com/office/powerpoint/2010/main" val="252475029"/>
+        <p14:creationId xmlns:p14="http://schemas.microsoft.com/office/powerpoint/2010/main" val="2390441316"/>
       </p:ext>
     </p:extLst>
   </p:cSld>
@@ -7795,7 +7787,7 @@
           <a:p>
             <a:fld id="{372344F9-C7DA-4748-85C2-39757F2A572B}" type="slidenum">
               <a:rPr lang="nl-NL" smtClean="0"/>
-              <a:t>8</a:t>
+              <a:t>7</a:t>
             </a:fld>
             <a:endParaRPr lang="nl-NL"/>
           </a:p>
@@ -7804,7 +7796,7 @@
     </p:spTree>
     <p:extLst>
       <p:ext uri="{BB962C8B-B14F-4D97-AF65-F5344CB8AC3E}">
-        <p14:creationId xmlns:p14="http://schemas.microsoft.com/office/powerpoint/2010/main" val="3951565566"/>
+        <p14:creationId xmlns:p14="http://schemas.microsoft.com/office/powerpoint/2010/main" val="636755589"/>
       </p:ext>
     </p:extLst>
   </p:cSld>
@@ -7900,7 +7892,7 @@
     </p:spTree>
     <p:extLst>
       <p:ext uri="{BB962C8B-B14F-4D97-AF65-F5344CB8AC3E}">
-        <p14:creationId xmlns:p14="http://schemas.microsoft.com/office/powerpoint/2010/main" val="636755589"/>
+        <p14:creationId xmlns:p14="http://schemas.microsoft.com/office/powerpoint/2010/main" val="3951565566"/>
       </p:ext>
     </p:extLst>
   </p:cSld>
@@ -8125,7 +8117,7 @@
           <a:p>
             <a:fld id="{07AE1A13-5FA8-4095-84FD-2BB1DB8F14FE}" type="datetime1">
               <a:rPr lang="LID4096" smtClean="0"/>
-              <a:t>08/28/2024</a:t>
+              <a:t>09/02/2024</a:t>
             </a:fld>
             <a:endParaRPr lang="en-NL"/>
           </a:p>
@@ -8295,7 +8287,7 @@
           <a:p>
             <a:fld id="{00C13084-20C6-4738-B95F-4E654F20946A}" type="datetime1">
               <a:rPr lang="LID4096" smtClean="0"/>
-              <a:t>08/28/2024</a:t>
+              <a:t>09/02/2024</a:t>
             </a:fld>
             <a:endParaRPr lang="en-NL"/>
           </a:p>
@@ -8475,7 +8467,7 @@
           <a:p>
             <a:fld id="{3C4F8E78-BA72-49FF-AE23-DF80276713C4}" type="datetime1">
               <a:rPr lang="LID4096" smtClean="0"/>
-              <a:t>08/28/2024</a:t>
+              <a:t>09/02/2024</a:t>
             </a:fld>
             <a:endParaRPr lang="en-NL"/>
           </a:p>
@@ -8645,7 +8637,7 @@
           <a:p>
             <a:fld id="{FE0886AC-1D13-408E-8C7C-1C3508E92A44}" type="datetime1">
               <a:rPr lang="LID4096" smtClean="0"/>
-              <a:t>08/28/2024</a:t>
+              <a:t>09/02/2024</a:t>
             </a:fld>
             <a:endParaRPr lang="en-NL"/>
           </a:p>
@@ -8889,7 +8881,7 @@
           <a:p>
             <a:fld id="{9D7745A5-6328-44F1-BE2B-9C3CBFBBED55}" type="datetime1">
               <a:rPr lang="LID4096" smtClean="0"/>
-              <a:t>08/28/2024</a:t>
+              <a:t>09/02/2024</a:t>
             </a:fld>
             <a:endParaRPr lang="en-NL"/>
           </a:p>
@@ -9121,7 +9113,7 @@
           <a:p>
             <a:fld id="{54605107-FD97-41C4-BC1B-B8EFAEE6B135}" type="datetime1">
               <a:rPr lang="LID4096" smtClean="0"/>
-              <a:t>08/28/2024</a:t>
+              <a:t>09/02/2024</a:t>
             </a:fld>
             <a:endParaRPr lang="en-NL"/>
           </a:p>
@@ -9488,7 +9480,7 @@
           <a:p>
             <a:fld id="{A9CD36B6-14E6-4B57-963C-AA011BF2516A}" type="datetime1">
               <a:rPr lang="LID4096" smtClean="0"/>
-              <a:t>08/28/2024</a:t>
+              <a:t>09/02/2024</a:t>
             </a:fld>
             <a:endParaRPr lang="en-NL"/>
           </a:p>
@@ -9606,7 +9598,7 @@
           <a:p>
             <a:fld id="{25E9D8EE-162F-4261-97BA-6E155763C157}" type="datetime1">
               <a:rPr lang="LID4096" smtClean="0"/>
-              <a:t>08/28/2024</a:t>
+              <a:t>09/02/2024</a:t>
             </a:fld>
             <a:endParaRPr lang="en-NL"/>
           </a:p>
@@ -9701,7 +9693,7 @@
           <a:p>
             <a:fld id="{9336BC77-42E6-4DB6-AC95-43AA281B3942}" type="datetime1">
               <a:rPr lang="LID4096" smtClean="0"/>
-              <a:t>08/28/2024</a:t>
+              <a:t>09/02/2024</a:t>
             </a:fld>
             <a:endParaRPr lang="en-NL"/>
           </a:p>
@@ -9978,7 +9970,7 @@
           <a:p>
             <a:fld id="{675308E0-B6A1-40C8-BD46-7F8637D6DD72}" type="datetime1">
               <a:rPr lang="LID4096" smtClean="0"/>
-              <a:t>08/28/2024</a:t>
+              <a:t>09/02/2024</a:t>
             </a:fld>
             <a:endParaRPr lang="en-NL"/>
           </a:p>
@@ -10235,7 +10227,7 @@
           <a:p>
             <a:fld id="{B7349C94-798B-437F-9BF9-CACE71C753FC}" type="datetime1">
               <a:rPr lang="LID4096" smtClean="0"/>
-              <a:t>08/28/2024</a:t>
+              <a:t>09/02/2024</a:t>
             </a:fld>
             <a:endParaRPr lang="en-NL"/>
           </a:p>
@@ -10448,7 +10440,7 @@
           <a:p>
             <a:fld id="{05A2703C-CB0E-4BE9-A3EC-08EEAE193F94}" type="datetime1">
               <a:rPr lang="LID4096" smtClean="0"/>
-              <a:t>08/28/2024</a:t>
+              <a:t>09/02/2024</a:t>
             </a:fld>
             <a:endParaRPr lang="en-NL"/>
           </a:p>
@@ -11333,7 +11325,7 @@
         </p:blipFill>
         <p:spPr>
           <a:xfrm>
-            <a:off x="461726" y="3007484"/>
+            <a:off x="461726" y="2936805"/>
             <a:ext cx="8220547" cy="2759395"/>
           </a:xfrm>
           <a:prstGeom prst="rect">
@@ -12337,13 +12329,6 @@
               <a:t>Price Assumptions</a:t>
             </a:r>
           </a:p>
-          <a:p>
-            <a:r>
-              <a:rPr lang="en-US" dirty="0"/>
-              <a:t>Model Scape</a:t>
-            </a:r>
-            <a:endParaRPr lang="en-NL" dirty="0"/>
-          </a:p>
         </p:txBody>
       </p:sp>
       <p:sp>
@@ -12497,7 +12482,7 @@
           <a:p>
             <a:r>
               <a:rPr lang="en-US" dirty="0"/>
-              <a:t>PLE strategies extend PC lifespan, reduce costs, ad lower emission</a:t>
+              <a:t>PLE strategies extend PC lifespan, reduce costs, and lower emission</a:t>
             </a:r>
           </a:p>
           <a:p>
@@ -13273,6 +13258,14 @@
 <file path=ppt/slides/slide5.xml><?xml version="1.0" encoding="utf-8"?>
 <p:sld xmlns:a="http://schemas.openxmlformats.org/drawingml/2006/main" xmlns:r="http://schemas.openxmlformats.org/officeDocument/2006/relationships" xmlns:p="http://schemas.openxmlformats.org/presentationml/2006/main">
   <p:cSld>
+    <p:bg>
+      <p:bgPr>
+        <a:solidFill>
+          <a:schemeClr val="bg1"/>
+        </a:solidFill>
+        <a:effectLst/>
+      </p:bgPr>
+    </p:bg>
     <p:spTree>
       <p:nvGrpSpPr>
         <p:cNvPr id="1" name=""/>
@@ -13287,6 +13280,66 @@
           <a:chExt cx="0" cy="0"/>
         </a:xfrm>
       </p:grpSpPr>
+      <p:sp useBgFill="1">
+        <p:nvSpPr>
+          <p:cNvPr id="30" name="Rectangle 29">
+            <a:extLst>
+              <a:ext uri="{FF2B5EF4-FFF2-40B4-BE49-F238E27FC236}">
+                <a16:creationId xmlns:a16="http://schemas.microsoft.com/office/drawing/2014/main" id="{0855A890-B60B-4670-9DC2-69DC05015AB3}"/>
+              </a:ext>
+              <a:ext uri="{C183D7F6-B498-43B3-948B-1728B52AA6E4}">
+                <adec:decorative xmlns:adec="http://schemas.microsoft.com/office/drawing/2017/decorative" val="1"/>
+              </a:ext>
+            </a:extLst>
+          </p:cNvPr>
+          <p:cNvSpPr>
+            <a:spLocks noGrp="1" noRot="1" noChangeAspect="1" noMove="1" noResize="1" noEditPoints="1" noAdjustHandles="1" noChangeArrowheads="1" noChangeShapeType="1" noTextEdit="1"/>
+          </p:cNvSpPr>
+          <p:nvPr>
+            <p:extLst>
+              <p:ext uri="{386F3935-93C4-4BCD-93E2-E3B085C9AB24}">
+                <p16:designElem xmlns:p16="http://schemas.microsoft.com/office/powerpoint/2015/main" val="1"/>
+              </p:ext>
+            </p:extLst>
+          </p:nvPr>
+        </p:nvSpPr>
+        <p:spPr>
+          <a:xfrm>
+            <a:off x="0" y="0"/>
+            <a:ext cx="9143999" cy="6857365"/>
+          </a:xfrm>
+          <a:prstGeom prst="rect">
+            <a:avLst/>
+          </a:prstGeom>
+          <a:ln>
+            <a:noFill/>
+          </a:ln>
+        </p:spPr>
+        <p:style>
+          <a:lnRef idx="2">
+            <a:schemeClr val="accent1">
+              <a:shade val="50000"/>
+            </a:schemeClr>
+          </a:lnRef>
+          <a:fillRef idx="1">
+            <a:schemeClr val="accent1"/>
+          </a:fillRef>
+          <a:effectRef idx="0">
+            <a:schemeClr val="accent1"/>
+          </a:effectRef>
+          <a:fontRef idx="minor">
+            <a:schemeClr val="lt1"/>
+          </a:fontRef>
+        </p:style>
+        <p:txBody>
+          <a:bodyPr rtlCol="0" anchor="ctr"/>
+          <a:lstStyle/>
+          <a:p>
+            <a:pPr algn="ctr"/>
+            <a:endParaRPr lang="en-US"/>
+          </a:p>
+        </p:txBody>
+      </p:sp>
       <p:sp>
         <p:nvSpPr>
           <p:cNvPr id="2" name="Title 1">
@@ -13304,113 +13357,226 @@
           </p:nvPr>
         </p:nvSpPr>
         <p:spPr>
-          <a:solidFill>
-            <a:srgbClr val="FFCC00"/>
-          </a:solidFill>
+          <a:xfrm>
+            <a:off x="340850" y="2023110"/>
+            <a:ext cx="1852218" cy="2846070"/>
+          </a:xfrm>
         </p:spPr>
         <p:txBody>
-          <a:bodyPr/>
+          <a:bodyPr vert="horz" lIns="91440" tIns="45720" rIns="91440" bIns="45720" rtlCol="0" anchor="ctr">
+            <a:normAutofit/>
+          </a:bodyPr>
           <a:lstStyle/>
           <a:p>
             <a:r>
-              <a:rPr lang="en-US" dirty="0"/>
-              <a:t>Data Collection</a:t>
+              <a:rPr lang="en-US" sz="3200"/>
+              <a:t>Price trends</a:t>
             </a:r>
-            <a:endParaRPr lang="en-NL" dirty="0"/>
-          </a:p>
-        </p:txBody>
-      </p:sp>
-      <p:sp>
-        <p:nvSpPr>
-          <p:cNvPr id="3" name="Content Placeholder 2">
+          </a:p>
+        </p:txBody>
+      </p:sp>
+      <p:sp>
+        <p:nvSpPr>
+          <p:cNvPr id="32" name="Rectangle 31">
             <a:extLst>
               <a:ext uri="{FF2B5EF4-FFF2-40B4-BE49-F238E27FC236}">
-                <a16:creationId xmlns:a16="http://schemas.microsoft.com/office/drawing/2014/main" id="{4396E0F3-C742-7697-51E3-823D68CEA7B5}"/>
+                <a16:creationId xmlns:a16="http://schemas.microsoft.com/office/drawing/2014/main" id="{90F533E9-6690-41A8-A372-4C6C622D028D}"/>
+              </a:ext>
+              <a:ext uri="{C183D7F6-B498-43B3-948B-1728B52AA6E4}">
+                <adec:decorative xmlns:adec="http://schemas.microsoft.com/office/drawing/2017/decorative" val="1"/>
               </a:ext>
             </a:extLst>
           </p:cNvPr>
           <p:cNvSpPr>
-            <a:spLocks noGrp="1"/>
-          </p:cNvSpPr>
-          <p:nvPr>
-            <p:ph idx="1"/>
-          </p:nvPr>
-        </p:nvSpPr>
-        <p:spPr/>
-        <p:txBody>
-          <a:bodyPr/>
+            <a:spLocks noGrp="1" noRot="1" noChangeAspect="1" noMove="1" noResize="1" noEditPoints="1" noAdjustHandles="1" noChangeArrowheads="1" noChangeShapeType="1" noTextEdit="1"/>
+          </p:cNvSpPr>
+          <p:nvPr>
+            <p:extLst>
+              <p:ext uri="{386F3935-93C4-4BCD-93E2-E3B085C9AB24}">
+                <p16:designElem xmlns:p16="http://schemas.microsoft.com/office/powerpoint/2015/main" val="1"/>
+              </p:ext>
+            </p:extLst>
+          </p:nvPr>
+        </p:nvSpPr>
+        <p:spPr>
+          <a:xfrm rot="5400000">
+            <a:off x="1676976" y="3411145"/>
+            <a:ext cx="1719072" cy="114287"/>
+          </a:xfrm>
+          <a:prstGeom prst="rect">
+            <a:avLst/>
+          </a:prstGeom>
+          <a:solidFill>
+            <a:schemeClr val="accent4"/>
+          </a:solidFill>
+          <a:ln>
+            <a:noFill/>
+          </a:ln>
+        </p:spPr>
+        <p:style>
+          <a:lnRef idx="2">
+            <a:schemeClr val="accent1">
+              <a:shade val="50000"/>
+            </a:schemeClr>
+          </a:lnRef>
+          <a:fillRef idx="1">
+            <a:schemeClr val="accent1"/>
+          </a:fillRef>
+          <a:effectRef idx="0">
+            <a:schemeClr val="accent1"/>
+          </a:effectRef>
+          <a:fontRef idx="minor">
+            <a:schemeClr val="lt1"/>
+          </a:fontRef>
+        </p:style>
+        <p:txBody>
+          <a:bodyPr rtlCol="0" anchor="ctr"/>
           <a:lstStyle/>
           <a:p>
-            <a:r>
-              <a:rPr lang="en-US" dirty="0"/>
-              <a:t>From </a:t>
-            </a:r>
-            <a:r>
-              <a:rPr lang="en-US" dirty="0" err="1"/>
-              <a:t>PassMark</a:t>
-            </a:r>
-            <a:endParaRPr lang="en-US" dirty="0"/>
-          </a:p>
-          <a:p>
-            <a:r>
-              <a:rPr lang="en-US" dirty="0" err="1"/>
-              <a:t>Webscraping</a:t>
-            </a:r>
-            <a:r>
-              <a:rPr lang="en-US" dirty="0"/>
-              <a:t> using R, Python and Selector Gadget</a:t>
-            </a:r>
-          </a:p>
-          <a:p>
-            <a:r>
-              <a:rPr lang="en-US" dirty="0"/>
-              <a:t>Handling missing values and adjusting prices for inflation</a:t>
-            </a:r>
-          </a:p>
-          <a:p>
-            <a:r>
-              <a:rPr lang="en-US" dirty="0"/>
-              <a:t>Statistical analysis per component</a:t>
-            </a:r>
-            <a:endParaRPr lang="en-NL" dirty="0"/>
-          </a:p>
-        </p:txBody>
-      </p:sp>
-      <p:sp>
-        <p:nvSpPr>
-          <p:cNvPr id="4" name="Slide Number Placeholder 3">
+            <a:pPr algn="ctr"/>
+            <a:endParaRPr lang="en-US"/>
+          </a:p>
+        </p:txBody>
+      </p:sp>
+      <p:sp>
+        <p:nvSpPr>
+          <p:cNvPr id="34" name="Rectangle 33">
             <a:extLst>
               <a:ext uri="{FF2B5EF4-FFF2-40B4-BE49-F238E27FC236}">
-                <a16:creationId xmlns:a16="http://schemas.microsoft.com/office/drawing/2014/main" id="{8FA1839F-C463-3CB7-B5E3-A10475E39FF4}"/>
+                <a16:creationId xmlns:a16="http://schemas.microsoft.com/office/drawing/2014/main" id="{99413ED5-9ED4-4772-BCE4-2BCAE6B12E35}"/>
+              </a:ext>
+              <a:ext uri="{C183D7F6-B498-43B3-948B-1728B52AA6E4}">
+                <adec:decorative xmlns:adec="http://schemas.microsoft.com/office/drawing/2017/decorative" val="1"/>
               </a:ext>
             </a:extLst>
           </p:cNvPr>
           <p:cNvSpPr>
-            <a:spLocks noGrp="1"/>
-          </p:cNvSpPr>
-          <p:nvPr>
-            <p:ph type="sldNum" sz="quarter" idx="12"/>
-          </p:nvPr>
-        </p:nvSpPr>
-        <p:spPr/>
-        <p:txBody>
-          <a:bodyPr/>
+            <a:spLocks noGrp="1" noRot="1" noChangeAspect="1" noMove="1" noResize="1" noEditPoints="1" noAdjustHandles="1" noChangeArrowheads="1" noChangeShapeType="1" noTextEdit="1"/>
+          </p:cNvSpPr>
+          <p:nvPr>
+            <p:extLst>
+              <p:ext uri="{386F3935-93C4-4BCD-93E2-E3B085C9AB24}">
+                <p16:designElem xmlns:p16="http://schemas.microsoft.com/office/powerpoint/2015/main" val="1"/>
+              </p:ext>
+            </p:extLst>
+          </p:nvPr>
+        </p:nvSpPr>
+        <p:spPr>
+          <a:xfrm rot="16200000">
+            <a:off x="5067477" y="245695"/>
+            <a:ext cx="1715478" cy="6437566"/>
+          </a:xfrm>
+          <a:prstGeom prst="rect">
+            <a:avLst/>
+          </a:prstGeom>
+          <a:solidFill>
+            <a:schemeClr val="accent4"/>
+          </a:solidFill>
+          <a:ln>
+            <a:noFill/>
+          </a:ln>
+        </p:spPr>
+        <p:style>
+          <a:lnRef idx="2">
+            <a:schemeClr val="accent1">
+              <a:shade val="50000"/>
+            </a:schemeClr>
+          </a:lnRef>
+          <a:fillRef idx="1">
+            <a:schemeClr val="accent1"/>
+          </a:fillRef>
+          <a:effectRef idx="0">
+            <a:schemeClr val="accent1"/>
+          </a:effectRef>
+          <a:fontRef idx="minor">
+            <a:schemeClr val="lt1"/>
+          </a:fontRef>
+        </p:style>
+        <p:txBody>
+          <a:bodyPr rtlCol="0" anchor="ctr"/>
           <a:lstStyle/>
           <a:p>
-            <a:fld id="{B2BA4014-25D3-44AC-9C1D-DFB8A3861794}" type="slidenum">
-              <a:rPr lang="en-NL" smtClean="0"/>
-              <a:t>5</a:t>
-            </a:fld>
-            <a:endParaRPr lang="en-NL"/>
+            <a:pPr algn="ctr"/>
+            <a:endParaRPr lang="en-US" dirty="0"/>
+          </a:p>
+        </p:txBody>
+      </p:sp>
+      <p:sp>
+        <p:nvSpPr>
+          <p:cNvPr id="36" name="Rectangle 35">
+            <a:extLst>
+              <a:ext uri="{FF2B5EF4-FFF2-40B4-BE49-F238E27FC236}">
+                <a16:creationId xmlns:a16="http://schemas.microsoft.com/office/drawing/2014/main" id="{04357C93-F0CB-4A1C-8F77-4E9063789819}"/>
+              </a:ext>
+              <a:ext uri="{C183D7F6-B498-43B3-948B-1728B52AA6E4}">
+                <adec:decorative xmlns:adec="http://schemas.microsoft.com/office/drawing/2017/decorative" val="1"/>
+              </a:ext>
+            </a:extLst>
+          </p:cNvPr>
+          <p:cNvSpPr>
+            <a:spLocks noGrp="1" noRot="1" noChangeAspect="1" noMove="1" noResize="1" noEditPoints="1" noAdjustHandles="1" noChangeArrowheads="1" noChangeShapeType="1" noTextEdit="1"/>
+          </p:cNvSpPr>
+          <p:nvPr>
+            <p:extLst>
+              <p:ext uri="{386F3935-93C4-4BCD-93E2-E3B085C9AB24}">
+                <p16:designElem xmlns:p16="http://schemas.microsoft.com/office/powerpoint/2015/main" val="1"/>
+              </p:ext>
+            </p:extLst>
+          </p:nvPr>
+        </p:nvSpPr>
+        <p:spPr>
+          <a:xfrm>
+            <a:off x="2855462" y="664308"/>
+            <a:ext cx="6061974" cy="5600340"/>
+          </a:xfrm>
+          <a:prstGeom prst="rect">
+            <a:avLst/>
+          </a:prstGeom>
+          <a:solidFill>
+            <a:schemeClr val="bg1"/>
+          </a:solidFill>
+          <a:ln>
+            <a:noFill/>
+          </a:ln>
+          <a:effectLst>
+            <a:outerShdw blurRad="139700" dist="127000" dir="5400000" algn="t" rotWithShape="0">
+              <a:prstClr val="black">
+                <a:alpha val="15000"/>
+              </a:prstClr>
+            </a:outerShdw>
+          </a:effectLst>
+        </p:spPr>
+        <p:style>
+          <a:lnRef idx="2">
+            <a:schemeClr val="accent1">
+              <a:shade val="50000"/>
+            </a:schemeClr>
+          </a:lnRef>
+          <a:fillRef idx="1">
+            <a:schemeClr val="accent1"/>
+          </a:fillRef>
+          <a:effectRef idx="0">
+            <a:schemeClr val="accent1"/>
+          </a:effectRef>
+          <a:fontRef idx="minor">
+            <a:schemeClr val="lt1"/>
+          </a:fontRef>
+        </p:style>
+        <p:txBody>
+          <a:bodyPr rtlCol="0" anchor="ctr"/>
+          <a:lstStyle/>
+          <a:p>
+            <a:pPr algn="ctr"/>
+            <a:endParaRPr lang="en-US"/>
           </a:p>
         </p:txBody>
       </p:sp>
       <p:pic>
         <p:nvPicPr>
-          <p:cNvPr id="5" name="Picture 4" descr="A black background with blue text&#10;&#10;Description automatically generated">
+          <p:cNvPr id="25" name="Picture 24" descr="A graph showing the average release of prices&#10;&#10;Description automatically generated">
             <a:extLst>
               <a:ext uri="{FF2B5EF4-FFF2-40B4-BE49-F238E27FC236}">
-                <a16:creationId xmlns:a16="http://schemas.microsoft.com/office/drawing/2014/main" id="{2323A9E6-25F4-8934-D463-C08AA1236093}"/>
+                <a16:creationId xmlns:a16="http://schemas.microsoft.com/office/drawing/2014/main" id="{11508E34-B2C1-E5BA-8CD5-FD05089F8440}"/>
               </a:ext>
             </a:extLst>
           </p:cNvPr>
@@ -13433,107 +13599,8 @@
         </p:blipFill>
         <p:spPr>
           <a:xfrm>
-            <a:off x="6710266" y="5425311"/>
-            <a:ext cx="2159893" cy="1296165"/>
-          </a:xfrm>
-          <a:prstGeom prst="rect">
-            <a:avLst/>
-          </a:prstGeom>
-        </p:spPr>
-      </p:pic>
-    </p:spTree>
-    <p:extLst>
-      <p:ext uri="{BB962C8B-B14F-4D97-AF65-F5344CB8AC3E}">
-        <p14:creationId xmlns:p14="http://schemas.microsoft.com/office/powerpoint/2010/main" val="1650773845"/>
-      </p:ext>
-    </p:extLst>
-  </p:cSld>
-  <p:clrMapOvr>
-    <a:masterClrMapping/>
-  </p:clrMapOvr>
-</p:sld>
-</file>
-
-<file path=ppt/slides/slide6.xml><?xml version="1.0" encoding="utf-8"?>
-<p:sld xmlns:a="http://schemas.openxmlformats.org/drawingml/2006/main" xmlns:r="http://schemas.openxmlformats.org/officeDocument/2006/relationships" xmlns:p="http://schemas.openxmlformats.org/presentationml/2006/main">
-  <p:cSld>
-    <p:spTree>
-      <p:nvGrpSpPr>
-        <p:cNvPr id="1" name=""/>
-        <p:cNvGrpSpPr/>
-        <p:nvPr/>
-      </p:nvGrpSpPr>
-      <p:grpSpPr>
-        <a:xfrm>
-          <a:off x="0" y="0"/>
-          <a:ext cx="0" cy="0"/>
-          <a:chOff x="0" y="0"/>
-          <a:chExt cx="0" cy="0"/>
-        </a:xfrm>
-      </p:grpSpPr>
-      <p:sp>
-        <p:nvSpPr>
-          <p:cNvPr id="2" name="Title 1">
-            <a:extLst>
-              <a:ext uri="{FF2B5EF4-FFF2-40B4-BE49-F238E27FC236}">
-                <a16:creationId xmlns:a16="http://schemas.microsoft.com/office/drawing/2014/main" id="{A6A18DAF-6C1E-9345-4A98-12DBC252631D}"/>
-              </a:ext>
-            </a:extLst>
-          </p:cNvPr>
-          <p:cNvSpPr>
-            <a:spLocks noGrp="1"/>
-          </p:cNvSpPr>
-          <p:nvPr>
-            <p:ph type="title"/>
-          </p:nvPr>
-        </p:nvSpPr>
-        <p:spPr>
-          <a:solidFill>
-            <a:srgbClr val="FFCC00"/>
-          </a:solidFill>
-        </p:spPr>
-        <p:txBody>
-          <a:bodyPr/>
-          <a:lstStyle/>
-          <a:p>
-            <a:r>
-              <a:rPr lang="en-US" dirty="0"/>
-              <a:t>Price trends</a:t>
-            </a:r>
-            <a:endParaRPr lang="en-NL" dirty="0"/>
-          </a:p>
-        </p:txBody>
-      </p:sp>
-      <p:pic>
-        <p:nvPicPr>
-          <p:cNvPr id="19" name="Picture 18" descr="A graph showing the price of a product&#10;&#10;Description automatically generated">
-            <a:extLst>
-              <a:ext uri="{FF2B5EF4-FFF2-40B4-BE49-F238E27FC236}">
-                <a16:creationId xmlns:a16="http://schemas.microsoft.com/office/drawing/2014/main" id="{DF833903-6499-F517-687D-E58661B75AB3}"/>
-              </a:ext>
-            </a:extLst>
-          </p:cNvPr>
-          <p:cNvPicPr>
-            <a:picLocks noChangeAspect="1"/>
-          </p:cNvPicPr>
-          <p:nvPr/>
-        </p:nvPicPr>
-        <p:blipFill>
-          <a:blip r:embed="rId3">
-            <a:extLst>
-              <a:ext uri="{28A0092B-C50C-407E-A947-70E740481C1C}">
-                <a14:useLocalDpi xmlns:a14="http://schemas.microsoft.com/office/drawing/2010/main" val="0"/>
-              </a:ext>
-            </a:extLst>
-          </a:blip>
-          <a:stretch>
-            <a:fillRect/>
-          </a:stretch>
-        </p:blipFill>
-        <p:spPr>
-          <a:xfrm>
-            <a:off x="716204" y="1977127"/>
-            <a:ext cx="3205550" cy="1978837"/>
+            <a:off x="5886449" y="3969550"/>
+            <a:ext cx="2777490" cy="1714589"/>
           </a:xfrm>
           <a:prstGeom prst="rect">
             <a:avLst/>
@@ -13568,8 +13635,8 @@
         </p:blipFill>
         <p:spPr>
           <a:xfrm>
-            <a:off x="5326583" y="4018551"/>
-            <a:ext cx="3205550" cy="1978837"/>
+            <a:off x="5945679" y="1288040"/>
+            <a:ext cx="2777490" cy="1714589"/>
           </a:xfrm>
           <a:prstGeom prst="rect">
             <a:avLst/>
@@ -13604,8 +13671,8 @@
         </p:blipFill>
         <p:spPr>
           <a:xfrm>
-            <a:off x="716204" y="4018552"/>
-            <a:ext cx="3205550" cy="1978837"/>
+            <a:off x="3040688" y="3969551"/>
+            <a:ext cx="2777490" cy="1714589"/>
           </a:xfrm>
           <a:prstGeom prst="rect">
             <a:avLst/>
@@ -13614,10 +13681,10 @@
       </p:pic>
       <p:pic>
         <p:nvPicPr>
-          <p:cNvPr id="25" name="Picture 24" descr="A graph showing the average release of prices&#10;&#10;Description automatically generated">
+          <p:cNvPr id="19" name="Picture 18" descr="A graph showing the price of a product&#10;&#10;Description automatically generated">
             <a:extLst>
               <a:ext uri="{FF2B5EF4-FFF2-40B4-BE49-F238E27FC236}">
-                <a16:creationId xmlns:a16="http://schemas.microsoft.com/office/drawing/2014/main" id="{11508E34-B2C1-E5BA-8CD5-FD05089F8440}"/>
+                <a16:creationId xmlns:a16="http://schemas.microsoft.com/office/drawing/2014/main" id="{DF833903-6499-F517-687D-E58661B75AB3}"/>
               </a:ext>
             </a:extLst>
           </p:cNvPr>
@@ -13640,8 +13707,8 @@
         </p:blipFill>
         <p:spPr>
           <a:xfrm>
-            <a:off x="5326583" y="1977126"/>
-            <a:ext cx="3205550" cy="1978837"/>
+            <a:off x="3040688" y="1283747"/>
+            <a:ext cx="2777490" cy="1714589"/>
           </a:xfrm>
           <a:prstGeom prst="rect">
             <a:avLst/>
@@ -13652,6 +13719,479 @@
     <p:extLst>
       <p:ext uri="{BB962C8B-B14F-4D97-AF65-F5344CB8AC3E}">
         <p14:creationId xmlns:p14="http://schemas.microsoft.com/office/powerpoint/2010/main" val="3635997242"/>
+      </p:ext>
+    </p:extLst>
+  </p:cSld>
+  <p:clrMapOvr>
+    <a:masterClrMapping/>
+  </p:clrMapOvr>
+</p:sld>
+</file>
+
+<file path=ppt/slides/slide6.xml><?xml version="1.0" encoding="utf-8"?>
+<p:sld xmlns:a="http://schemas.openxmlformats.org/drawingml/2006/main" xmlns:r="http://schemas.openxmlformats.org/officeDocument/2006/relationships" xmlns:p="http://schemas.openxmlformats.org/presentationml/2006/main">
+  <p:cSld>
+    <p:bg>
+      <p:bgPr>
+        <a:solidFill>
+          <a:schemeClr val="bg1"/>
+        </a:solidFill>
+        <a:effectLst/>
+      </p:bgPr>
+    </p:bg>
+    <p:spTree>
+      <p:nvGrpSpPr>
+        <p:cNvPr id="1" name=""/>
+        <p:cNvGrpSpPr/>
+        <p:nvPr/>
+      </p:nvGrpSpPr>
+      <p:grpSpPr>
+        <a:xfrm>
+          <a:off x="0" y="0"/>
+          <a:ext cx="0" cy="0"/>
+          <a:chOff x="0" y="0"/>
+          <a:chExt cx="0" cy="0"/>
+        </a:xfrm>
+      </p:grpSpPr>
+      <p:sp useBgFill="1">
+        <p:nvSpPr>
+          <p:cNvPr id="15" name="Rectangle 14">
+            <a:extLst>
+              <a:ext uri="{FF2B5EF4-FFF2-40B4-BE49-F238E27FC236}">
+                <a16:creationId xmlns:a16="http://schemas.microsoft.com/office/drawing/2014/main" id="{0855A890-B60B-4670-9DC2-69DC05015AB3}"/>
+              </a:ext>
+              <a:ext uri="{C183D7F6-B498-43B3-948B-1728B52AA6E4}">
+                <adec:decorative xmlns:adec="http://schemas.microsoft.com/office/drawing/2017/decorative" val="1"/>
+              </a:ext>
+            </a:extLst>
+          </p:cNvPr>
+          <p:cNvSpPr>
+            <a:spLocks noGrp="1" noRot="1" noChangeAspect="1" noMove="1" noResize="1" noEditPoints="1" noAdjustHandles="1" noChangeArrowheads="1" noChangeShapeType="1" noTextEdit="1"/>
+          </p:cNvSpPr>
+          <p:nvPr>
+            <p:extLst>
+              <p:ext uri="{386F3935-93C4-4BCD-93E2-E3B085C9AB24}">
+                <p16:designElem xmlns:p16="http://schemas.microsoft.com/office/powerpoint/2015/main" val="1"/>
+              </p:ext>
+            </p:extLst>
+          </p:nvPr>
+        </p:nvSpPr>
+        <p:spPr>
+          <a:xfrm>
+            <a:off x="0" y="0"/>
+            <a:ext cx="9143999" cy="6857365"/>
+          </a:xfrm>
+          <a:prstGeom prst="rect">
+            <a:avLst/>
+          </a:prstGeom>
+          <a:ln>
+            <a:noFill/>
+          </a:ln>
+        </p:spPr>
+        <p:style>
+          <a:lnRef idx="2">
+            <a:schemeClr val="accent1">
+              <a:shade val="50000"/>
+            </a:schemeClr>
+          </a:lnRef>
+          <a:fillRef idx="1">
+            <a:schemeClr val="accent1"/>
+          </a:fillRef>
+          <a:effectRef idx="0">
+            <a:schemeClr val="accent1"/>
+          </a:effectRef>
+          <a:fontRef idx="minor">
+            <a:schemeClr val="lt1"/>
+          </a:fontRef>
+        </p:style>
+        <p:txBody>
+          <a:bodyPr rtlCol="0" anchor="ctr"/>
+          <a:lstStyle/>
+          <a:p>
+            <a:pPr algn="ctr"/>
+            <a:endParaRPr lang="en-US"/>
+          </a:p>
+        </p:txBody>
+      </p:sp>
+      <p:sp>
+        <p:nvSpPr>
+          <p:cNvPr id="2" name="Title 1">
+            <a:extLst>
+              <a:ext uri="{FF2B5EF4-FFF2-40B4-BE49-F238E27FC236}">
+                <a16:creationId xmlns:a16="http://schemas.microsoft.com/office/drawing/2014/main" id="{A6A18DAF-6C1E-9345-4A98-12DBC252631D}"/>
+              </a:ext>
+            </a:extLst>
+          </p:cNvPr>
+          <p:cNvSpPr>
+            <a:spLocks noGrp="1"/>
+          </p:cNvSpPr>
+          <p:nvPr>
+            <p:ph type="title"/>
+          </p:nvPr>
+        </p:nvSpPr>
+        <p:spPr>
+          <a:xfrm>
+            <a:off x="340850" y="2023110"/>
+            <a:ext cx="1852218" cy="2846070"/>
+          </a:xfrm>
+        </p:spPr>
+        <p:txBody>
+          <a:bodyPr vert="horz" lIns="91440" tIns="45720" rIns="91440" bIns="45720" rtlCol="0" anchor="ctr">
+            <a:normAutofit/>
+          </a:bodyPr>
+          <a:lstStyle/>
+          <a:p>
+            <a:r>
+              <a:rPr lang="en-US" sz="3200"/>
+              <a:t>Price trends</a:t>
+            </a:r>
+          </a:p>
+        </p:txBody>
+      </p:sp>
+      <p:sp>
+        <p:nvSpPr>
+          <p:cNvPr id="17" name="Rectangle 16">
+            <a:extLst>
+              <a:ext uri="{FF2B5EF4-FFF2-40B4-BE49-F238E27FC236}">
+                <a16:creationId xmlns:a16="http://schemas.microsoft.com/office/drawing/2014/main" id="{90F533E9-6690-41A8-A372-4C6C622D028D}"/>
+              </a:ext>
+              <a:ext uri="{C183D7F6-B498-43B3-948B-1728B52AA6E4}">
+                <adec:decorative xmlns:adec="http://schemas.microsoft.com/office/drawing/2017/decorative" val="1"/>
+              </a:ext>
+            </a:extLst>
+          </p:cNvPr>
+          <p:cNvSpPr>
+            <a:spLocks noGrp="1" noRot="1" noChangeAspect="1" noMove="1" noResize="1" noEditPoints="1" noAdjustHandles="1" noChangeArrowheads="1" noChangeShapeType="1" noTextEdit="1"/>
+          </p:cNvSpPr>
+          <p:nvPr>
+            <p:extLst>
+              <p:ext uri="{386F3935-93C4-4BCD-93E2-E3B085C9AB24}">
+                <p16:designElem xmlns:p16="http://schemas.microsoft.com/office/powerpoint/2015/main" val="1"/>
+              </p:ext>
+            </p:extLst>
+          </p:nvPr>
+        </p:nvSpPr>
+        <p:spPr>
+          <a:xfrm rot="5400000">
+            <a:off x="1676976" y="3411145"/>
+            <a:ext cx="1719072" cy="114287"/>
+          </a:xfrm>
+          <a:prstGeom prst="rect">
+            <a:avLst/>
+          </a:prstGeom>
+          <a:solidFill>
+            <a:schemeClr val="accent4"/>
+          </a:solidFill>
+          <a:ln>
+            <a:noFill/>
+          </a:ln>
+        </p:spPr>
+        <p:style>
+          <a:lnRef idx="2">
+            <a:schemeClr val="accent1">
+              <a:shade val="50000"/>
+            </a:schemeClr>
+          </a:lnRef>
+          <a:fillRef idx="1">
+            <a:schemeClr val="accent1"/>
+          </a:fillRef>
+          <a:effectRef idx="0">
+            <a:schemeClr val="accent1"/>
+          </a:effectRef>
+          <a:fontRef idx="minor">
+            <a:schemeClr val="lt1"/>
+          </a:fontRef>
+        </p:style>
+        <p:txBody>
+          <a:bodyPr rtlCol="0" anchor="ctr"/>
+          <a:lstStyle/>
+          <a:p>
+            <a:pPr algn="ctr"/>
+            <a:endParaRPr lang="en-US"/>
+          </a:p>
+        </p:txBody>
+      </p:sp>
+      <p:sp>
+        <p:nvSpPr>
+          <p:cNvPr id="19" name="Rectangle 18">
+            <a:extLst>
+              <a:ext uri="{FF2B5EF4-FFF2-40B4-BE49-F238E27FC236}">
+                <a16:creationId xmlns:a16="http://schemas.microsoft.com/office/drawing/2014/main" id="{99413ED5-9ED4-4772-BCE4-2BCAE6B12E35}"/>
+              </a:ext>
+              <a:ext uri="{C183D7F6-B498-43B3-948B-1728B52AA6E4}">
+                <adec:decorative xmlns:adec="http://schemas.microsoft.com/office/drawing/2017/decorative" val="1"/>
+              </a:ext>
+            </a:extLst>
+          </p:cNvPr>
+          <p:cNvSpPr>
+            <a:spLocks noGrp="1" noRot="1" noChangeAspect="1" noMove="1" noResize="1" noEditPoints="1" noAdjustHandles="1" noChangeArrowheads="1" noChangeShapeType="1" noTextEdit="1"/>
+          </p:cNvSpPr>
+          <p:nvPr>
+            <p:extLst>
+              <p:ext uri="{386F3935-93C4-4BCD-93E2-E3B085C9AB24}">
+                <p16:designElem xmlns:p16="http://schemas.microsoft.com/office/powerpoint/2015/main" val="1"/>
+              </p:ext>
+            </p:extLst>
+          </p:nvPr>
+        </p:nvSpPr>
+        <p:spPr>
+          <a:xfrm rot="16200000">
+            <a:off x="5067477" y="245695"/>
+            <a:ext cx="1715478" cy="6437566"/>
+          </a:xfrm>
+          <a:prstGeom prst="rect">
+            <a:avLst/>
+          </a:prstGeom>
+          <a:solidFill>
+            <a:schemeClr val="accent4"/>
+          </a:solidFill>
+          <a:ln>
+            <a:noFill/>
+          </a:ln>
+        </p:spPr>
+        <p:style>
+          <a:lnRef idx="2">
+            <a:schemeClr val="accent1">
+              <a:shade val="50000"/>
+            </a:schemeClr>
+          </a:lnRef>
+          <a:fillRef idx="1">
+            <a:schemeClr val="accent1"/>
+          </a:fillRef>
+          <a:effectRef idx="0">
+            <a:schemeClr val="accent1"/>
+          </a:effectRef>
+          <a:fontRef idx="minor">
+            <a:schemeClr val="lt1"/>
+          </a:fontRef>
+        </p:style>
+        <p:txBody>
+          <a:bodyPr rtlCol="0" anchor="ctr"/>
+          <a:lstStyle/>
+          <a:p>
+            <a:pPr algn="ctr"/>
+            <a:endParaRPr lang="en-US" dirty="0"/>
+          </a:p>
+        </p:txBody>
+      </p:sp>
+      <p:sp>
+        <p:nvSpPr>
+          <p:cNvPr id="21" name="Rectangle 20">
+            <a:extLst>
+              <a:ext uri="{FF2B5EF4-FFF2-40B4-BE49-F238E27FC236}">
+                <a16:creationId xmlns:a16="http://schemas.microsoft.com/office/drawing/2014/main" id="{04357C93-F0CB-4A1C-8F77-4E9063789819}"/>
+              </a:ext>
+              <a:ext uri="{C183D7F6-B498-43B3-948B-1728B52AA6E4}">
+                <adec:decorative xmlns:adec="http://schemas.microsoft.com/office/drawing/2017/decorative" val="1"/>
+              </a:ext>
+            </a:extLst>
+          </p:cNvPr>
+          <p:cNvSpPr>
+            <a:spLocks noGrp="1" noRot="1" noChangeAspect="1" noMove="1" noResize="1" noEditPoints="1" noAdjustHandles="1" noChangeArrowheads="1" noChangeShapeType="1" noTextEdit="1"/>
+          </p:cNvSpPr>
+          <p:nvPr>
+            <p:extLst>
+              <p:ext uri="{386F3935-93C4-4BCD-93E2-E3B085C9AB24}">
+                <p16:designElem xmlns:p16="http://schemas.microsoft.com/office/powerpoint/2015/main" val="1"/>
+              </p:ext>
+            </p:extLst>
+          </p:nvPr>
+        </p:nvSpPr>
+        <p:spPr>
+          <a:xfrm>
+            <a:off x="2855462" y="664308"/>
+            <a:ext cx="6061974" cy="5600340"/>
+          </a:xfrm>
+          <a:prstGeom prst="rect">
+            <a:avLst/>
+          </a:prstGeom>
+          <a:solidFill>
+            <a:schemeClr val="bg1"/>
+          </a:solidFill>
+          <a:ln>
+            <a:noFill/>
+          </a:ln>
+          <a:effectLst>
+            <a:outerShdw blurRad="139700" dist="127000" dir="5400000" algn="t" rotWithShape="0">
+              <a:prstClr val="black">
+                <a:alpha val="15000"/>
+              </a:prstClr>
+            </a:outerShdw>
+          </a:effectLst>
+        </p:spPr>
+        <p:style>
+          <a:lnRef idx="2">
+            <a:schemeClr val="accent1">
+              <a:shade val="50000"/>
+            </a:schemeClr>
+          </a:lnRef>
+          <a:fillRef idx="1">
+            <a:schemeClr val="accent1"/>
+          </a:fillRef>
+          <a:effectRef idx="0">
+            <a:schemeClr val="accent1"/>
+          </a:effectRef>
+          <a:fontRef idx="minor">
+            <a:schemeClr val="lt1"/>
+          </a:fontRef>
+        </p:style>
+        <p:txBody>
+          <a:bodyPr rtlCol="0" anchor="ctr"/>
+          <a:lstStyle/>
+          <a:p>
+            <a:pPr algn="ctr"/>
+            <a:endParaRPr lang="en-US"/>
+          </a:p>
+        </p:txBody>
+      </p:sp>
+      <p:pic>
+        <p:nvPicPr>
+          <p:cNvPr id="10" name="Picture 9" descr="A graph of a number of different colored lines&#10;&#10;Description automatically generated with medium confidence">
+            <a:extLst>
+              <a:ext uri="{FF2B5EF4-FFF2-40B4-BE49-F238E27FC236}">
+                <a16:creationId xmlns:a16="http://schemas.microsoft.com/office/drawing/2014/main" id="{B44B92C8-1073-AECB-9AD5-5641E9DD575D}"/>
+              </a:ext>
+            </a:extLst>
+          </p:cNvPr>
+          <p:cNvPicPr>
+            <a:picLocks noChangeAspect="1"/>
+          </p:cNvPicPr>
+          <p:nvPr/>
+        </p:nvPicPr>
+        <p:blipFill>
+          <a:blip r:embed="rId3">
+            <a:extLst>
+              <a:ext uri="{28A0092B-C50C-407E-A947-70E740481C1C}">
+                <a14:useLocalDpi xmlns:a14="http://schemas.microsoft.com/office/drawing/2010/main" val="0"/>
+              </a:ext>
+            </a:extLst>
+          </a:blip>
+          <a:stretch>
+            <a:fillRect/>
+          </a:stretch>
+        </p:blipFill>
+        <p:spPr>
+          <a:xfrm>
+            <a:off x="5886449" y="3969550"/>
+            <a:ext cx="2777490" cy="1714589"/>
+          </a:xfrm>
+          <a:prstGeom prst="rect">
+            <a:avLst/>
+          </a:prstGeom>
+        </p:spPr>
+      </p:pic>
+      <p:pic>
+        <p:nvPicPr>
+          <p:cNvPr id="6" name="Picture 5" descr="A graph showing the price of a product&#10;&#10;Description automatically generated with medium confidence">
+            <a:extLst>
+              <a:ext uri="{FF2B5EF4-FFF2-40B4-BE49-F238E27FC236}">
+                <a16:creationId xmlns:a16="http://schemas.microsoft.com/office/drawing/2014/main" id="{814BC48D-5B6F-666D-B4B5-BED06B2E87C2}"/>
+              </a:ext>
+            </a:extLst>
+          </p:cNvPr>
+          <p:cNvPicPr>
+            <a:picLocks noChangeAspect="1"/>
+          </p:cNvPicPr>
+          <p:nvPr/>
+        </p:nvPicPr>
+        <p:blipFill>
+          <a:blip r:embed="rId4">
+            <a:extLst>
+              <a:ext uri="{28A0092B-C50C-407E-A947-70E740481C1C}">
+                <a14:useLocalDpi xmlns:a14="http://schemas.microsoft.com/office/drawing/2010/main" val="0"/>
+              </a:ext>
+            </a:extLst>
+          </a:blip>
+          <a:stretch>
+            <a:fillRect/>
+          </a:stretch>
+        </p:blipFill>
+        <p:spPr>
+          <a:xfrm>
+            <a:off x="5945679" y="1288040"/>
+            <a:ext cx="2777490" cy="1714589"/>
+          </a:xfrm>
+          <a:prstGeom prst="rect">
+            <a:avLst/>
+          </a:prstGeom>
+        </p:spPr>
+      </p:pic>
+      <p:pic>
+        <p:nvPicPr>
+          <p:cNvPr id="8" name="Picture 7" descr="A graph showing the average adjusted release prices&#10;&#10;Description automatically generated">
+            <a:extLst>
+              <a:ext uri="{FF2B5EF4-FFF2-40B4-BE49-F238E27FC236}">
+                <a16:creationId xmlns:a16="http://schemas.microsoft.com/office/drawing/2014/main" id="{CAF4D9DD-BE9C-39F1-8B09-AEF0DB3FF731}"/>
+              </a:ext>
+            </a:extLst>
+          </p:cNvPr>
+          <p:cNvPicPr>
+            <a:picLocks noChangeAspect="1"/>
+          </p:cNvPicPr>
+          <p:nvPr/>
+        </p:nvPicPr>
+        <p:blipFill>
+          <a:blip r:embed="rId5">
+            <a:extLst>
+              <a:ext uri="{28A0092B-C50C-407E-A947-70E740481C1C}">
+                <a14:useLocalDpi xmlns:a14="http://schemas.microsoft.com/office/drawing/2010/main" val="0"/>
+              </a:ext>
+            </a:extLst>
+          </a:blip>
+          <a:stretch>
+            <a:fillRect/>
+          </a:stretch>
+        </p:blipFill>
+        <p:spPr>
+          <a:xfrm>
+            <a:off x="3040688" y="3969551"/>
+            <a:ext cx="2777490" cy="1714589"/>
+          </a:xfrm>
+          <a:prstGeom prst="rect">
+            <a:avLst/>
+          </a:prstGeom>
+        </p:spPr>
+      </p:pic>
+      <p:pic>
+        <p:nvPicPr>
+          <p:cNvPr id="4" name="Picture 3" descr="A graph showing the price of a product&#10;&#10;Description automatically generated">
+            <a:extLst>
+              <a:ext uri="{FF2B5EF4-FFF2-40B4-BE49-F238E27FC236}">
+                <a16:creationId xmlns:a16="http://schemas.microsoft.com/office/drawing/2014/main" id="{7BF13B7F-EACC-8B0E-E7F4-63E8EFDF0D1C}"/>
+              </a:ext>
+            </a:extLst>
+          </p:cNvPr>
+          <p:cNvPicPr>
+            <a:picLocks noChangeAspect="1"/>
+          </p:cNvPicPr>
+          <p:nvPr/>
+        </p:nvPicPr>
+        <p:blipFill>
+          <a:blip r:embed="rId6">
+            <a:extLst>
+              <a:ext uri="{28A0092B-C50C-407E-A947-70E740481C1C}">
+                <a14:useLocalDpi xmlns:a14="http://schemas.microsoft.com/office/drawing/2010/main" val="0"/>
+              </a:ext>
+            </a:extLst>
+          </a:blip>
+          <a:stretch>
+            <a:fillRect/>
+          </a:stretch>
+        </p:blipFill>
+        <p:spPr>
+          <a:xfrm>
+            <a:off x="3037966" y="1288040"/>
+            <a:ext cx="2777490" cy="1714589"/>
+          </a:xfrm>
+          <a:prstGeom prst="rect">
+            <a:avLst/>
+          </a:prstGeom>
+        </p:spPr>
+      </p:pic>
+    </p:spTree>
+    <p:extLst>
+      <p:ext uri="{BB962C8B-B14F-4D97-AF65-F5344CB8AC3E}">
+        <p14:creationId xmlns:p14="http://schemas.microsoft.com/office/powerpoint/2010/main" val="630243880"/>
       </p:ext>
     </p:extLst>
   </p:cSld>
@@ -13683,6 +14223,165 @@
           <p:cNvPr id="2" name="Title 1">
             <a:extLst>
               <a:ext uri="{FF2B5EF4-FFF2-40B4-BE49-F238E27FC236}">
+                <a16:creationId xmlns:a16="http://schemas.microsoft.com/office/drawing/2014/main" id="{611749D1-95EC-A6E3-FFE8-8A60631C4E90}"/>
+              </a:ext>
+            </a:extLst>
+          </p:cNvPr>
+          <p:cNvSpPr>
+            <a:spLocks noGrp="1"/>
+          </p:cNvSpPr>
+          <p:nvPr>
+            <p:ph type="title"/>
+          </p:nvPr>
+        </p:nvSpPr>
+        <p:spPr>
+          <a:solidFill>
+            <a:srgbClr val="FFCC00"/>
+          </a:solidFill>
+        </p:spPr>
+        <p:txBody>
+          <a:bodyPr/>
+          <a:lstStyle/>
+          <a:p>
+            <a:r>
+              <a:rPr lang="en-US" dirty="0"/>
+              <a:t>Optimization Model</a:t>
+            </a:r>
+            <a:endParaRPr lang="en-NL" dirty="0"/>
+          </a:p>
+        </p:txBody>
+      </p:sp>
+      <p:graphicFrame>
+        <p:nvGraphicFramePr>
+          <p:cNvPr id="7" name="Content Placeholder 2">
+            <a:extLst>
+              <a:ext uri="{FF2B5EF4-FFF2-40B4-BE49-F238E27FC236}">
+                <a16:creationId xmlns:a16="http://schemas.microsoft.com/office/drawing/2014/main" id="{C3EFC60F-CF1C-133C-4C40-4485E3938EA2}"/>
+              </a:ext>
+            </a:extLst>
+          </p:cNvPr>
+          <p:cNvGraphicFramePr>
+            <a:graphicFrameLocks noGrp="1"/>
+          </p:cNvGraphicFramePr>
+          <p:nvPr>
+            <p:ph idx="1"/>
+            <p:extLst>
+              <p:ext uri="{D42A27DB-BD31-4B8C-83A1-F6EECF244321}">
+                <p14:modId xmlns:p14="http://schemas.microsoft.com/office/powerpoint/2010/main" val="3289274363"/>
+              </p:ext>
+            </p:extLst>
+          </p:nvPr>
+        </p:nvGraphicFramePr>
+        <p:xfrm>
+          <a:off x="628650" y="1825625"/>
+          <a:ext cx="7886700" cy="4351338"/>
+        </p:xfrm>
+        <a:graphic>
+          <a:graphicData uri="http://schemas.openxmlformats.org/drawingml/2006/diagram">
+            <dgm:relIds xmlns:dgm="http://schemas.openxmlformats.org/drawingml/2006/diagram" xmlns:r="http://schemas.openxmlformats.org/officeDocument/2006/relationships" r:dm="rId3" r:lo="rId4" r:qs="rId5" r:cs="rId6"/>
+          </a:graphicData>
+        </a:graphic>
+      </p:graphicFrame>
+      <p:sp>
+        <p:nvSpPr>
+          <p:cNvPr id="4" name="Slide Number Placeholder 3">
+            <a:extLst>
+              <a:ext uri="{FF2B5EF4-FFF2-40B4-BE49-F238E27FC236}">
+                <a16:creationId xmlns:a16="http://schemas.microsoft.com/office/drawing/2014/main" id="{274658B6-DC78-F6F8-95E3-3A5BEB5A22CA}"/>
+              </a:ext>
+            </a:extLst>
+          </p:cNvPr>
+          <p:cNvSpPr>
+            <a:spLocks noGrp="1"/>
+          </p:cNvSpPr>
+          <p:nvPr>
+            <p:ph type="sldNum" sz="quarter" idx="12"/>
+          </p:nvPr>
+        </p:nvSpPr>
+        <p:spPr/>
+        <p:txBody>
+          <a:bodyPr/>
+          <a:lstStyle/>
+          <a:p>
+            <a:fld id="{B2BA4014-25D3-44AC-9C1D-DFB8A3861794}" type="slidenum">
+              <a:rPr lang="en-NL" smtClean="0"/>
+              <a:t>7</a:t>
+            </a:fld>
+            <a:endParaRPr lang="en-NL"/>
+          </a:p>
+        </p:txBody>
+      </p:sp>
+      <p:pic>
+        <p:nvPicPr>
+          <p:cNvPr id="5" name="Picture 4" descr="A black background with blue text&#10;&#10;Description automatically generated">
+            <a:extLst>
+              <a:ext uri="{FF2B5EF4-FFF2-40B4-BE49-F238E27FC236}">
+                <a16:creationId xmlns:a16="http://schemas.microsoft.com/office/drawing/2014/main" id="{26CABAE3-933D-7B1F-BAFE-181D02872D6A}"/>
+              </a:ext>
+            </a:extLst>
+          </p:cNvPr>
+          <p:cNvPicPr>
+            <a:picLocks noChangeAspect="1"/>
+          </p:cNvPicPr>
+          <p:nvPr/>
+        </p:nvPicPr>
+        <p:blipFill>
+          <a:blip r:embed="rId8">
+            <a:extLst>
+              <a:ext uri="{28A0092B-C50C-407E-A947-70E740481C1C}">
+                <a14:useLocalDpi xmlns:a14="http://schemas.microsoft.com/office/drawing/2010/main" val="0"/>
+              </a:ext>
+            </a:extLst>
+          </a:blip>
+          <a:stretch>
+            <a:fillRect/>
+          </a:stretch>
+        </p:blipFill>
+        <p:spPr>
+          <a:xfrm>
+            <a:off x="6710266" y="5425311"/>
+            <a:ext cx="2159893" cy="1296165"/>
+          </a:xfrm>
+          <a:prstGeom prst="rect">
+            <a:avLst/>
+          </a:prstGeom>
+        </p:spPr>
+      </p:pic>
+    </p:spTree>
+    <p:extLst>
+      <p:ext uri="{BB962C8B-B14F-4D97-AF65-F5344CB8AC3E}">
+        <p14:creationId xmlns:p14="http://schemas.microsoft.com/office/powerpoint/2010/main" val="1150207299"/>
+      </p:ext>
+    </p:extLst>
+  </p:cSld>
+  <p:clrMapOvr>
+    <a:masterClrMapping/>
+  </p:clrMapOvr>
+</p:sld>
+</file>
+
+<file path=ppt/slides/slide8.xml><?xml version="1.0" encoding="utf-8"?>
+<p:sld xmlns:a="http://schemas.openxmlformats.org/drawingml/2006/main" xmlns:r="http://schemas.openxmlformats.org/officeDocument/2006/relationships" xmlns:p="http://schemas.openxmlformats.org/presentationml/2006/main">
+  <p:cSld>
+    <p:spTree>
+      <p:nvGrpSpPr>
+        <p:cNvPr id="1" name=""/>
+        <p:cNvGrpSpPr/>
+        <p:nvPr/>
+      </p:nvGrpSpPr>
+      <p:grpSpPr>
+        <a:xfrm>
+          <a:off x="0" y="0"/>
+          <a:ext cx="0" cy="0"/>
+          <a:chOff x="0" y="0"/>
+          <a:chExt cx="0" cy="0"/>
+        </a:xfrm>
+      </p:grpSpPr>
+      <p:sp>
+        <p:nvSpPr>
+          <p:cNvPr id="2" name="Title 1">
+            <a:extLst>
+              <a:ext uri="{FF2B5EF4-FFF2-40B4-BE49-F238E27FC236}">
                 <a16:creationId xmlns:a16="http://schemas.microsoft.com/office/drawing/2014/main" id="{99764DB8-E38C-4037-2B1B-DB190AF12855}"/>
               </a:ext>
             </a:extLst>
@@ -13769,7 +14468,7 @@
           <a:p>
             <a:fld id="{B2BA4014-25D3-44AC-9C1D-DFB8A3861794}" type="slidenum">
               <a:rPr lang="en-NL" smtClean="0"/>
-              <a:t>7</a:t>
+              <a:t>8</a:t>
             </a:fld>
             <a:endParaRPr lang="en-NL"/>
           </a:p>
@@ -13839,8 +14538,38 @@
         </p:blipFill>
         <p:spPr>
           <a:xfrm>
-            <a:off x="1946934" y="2935972"/>
-            <a:ext cx="5250132" cy="3240991"/>
+            <a:off x="2820932" y="3667790"/>
+            <a:ext cx="4440214" cy="2741016"/>
+          </a:xfrm>
+          <a:prstGeom prst="rect">
+            <a:avLst/>
+          </a:prstGeom>
+        </p:spPr>
+      </p:pic>
+      <p:pic>
+        <p:nvPicPr>
+          <p:cNvPr id="8" name="Picture 7">
+            <a:extLst>
+              <a:ext uri="{FF2B5EF4-FFF2-40B4-BE49-F238E27FC236}">
+                <a16:creationId xmlns:a16="http://schemas.microsoft.com/office/drawing/2014/main" id="{5C650597-77E0-3BEE-2AEA-87964F16F7A6}"/>
+              </a:ext>
+            </a:extLst>
+          </p:cNvPr>
+          <p:cNvPicPr>
+            <a:picLocks noChangeAspect="1"/>
+          </p:cNvPicPr>
+          <p:nvPr/>
+        </p:nvPicPr>
+        <p:blipFill>
+          <a:blip r:embed="rId4"/>
+          <a:stretch>
+            <a:fillRect/>
+          </a:stretch>
+        </p:blipFill>
+        <p:spPr>
+          <a:xfrm>
+            <a:off x="2135170" y="2794058"/>
+            <a:ext cx="4873660" cy="873732"/>
           </a:xfrm>
           <a:prstGeom prst="rect">
             <a:avLst/>
@@ -13860,7 +14589,7 @@
 </p:sld>
 </file>
 
-<file path=ppt/slides/slide8.xml><?xml version="1.0" encoding="utf-8"?>
+<file path=ppt/slides/slide9.xml><?xml version="1.0" encoding="utf-8"?>
 <p:sld xmlns:a="http://schemas.openxmlformats.org/drawingml/2006/main" xmlns:r="http://schemas.openxmlformats.org/officeDocument/2006/relationships" xmlns:p="http://schemas.openxmlformats.org/presentationml/2006/main">
   <p:cSld>
     <p:spTree>
@@ -14012,7 +14741,7 @@
           <a:p>
             <a:fld id="{B2BA4014-25D3-44AC-9C1D-DFB8A3861794}" type="slidenum">
               <a:rPr lang="en-NL" smtClean="0"/>
-              <a:t>8</a:t>
+              <a:t>9</a:t>
             </a:fld>
             <a:endParaRPr lang="en-NL"/>
           </a:p>
@@ -14058,165 +14787,6 @@
     <p:extLst>
       <p:ext uri="{BB962C8B-B14F-4D97-AF65-F5344CB8AC3E}">
         <p14:creationId xmlns:p14="http://schemas.microsoft.com/office/powerpoint/2010/main" val="1396179429"/>
-      </p:ext>
-    </p:extLst>
-  </p:cSld>
-  <p:clrMapOvr>
-    <a:masterClrMapping/>
-  </p:clrMapOvr>
-</p:sld>
-</file>
-
-<file path=ppt/slides/slide9.xml><?xml version="1.0" encoding="utf-8"?>
-<p:sld xmlns:a="http://schemas.openxmlformats.org/drawingml/2006/main" xmlns:r="http://schemas.openxmlformats.org/officeDocument/2006/relationships" xmlns:p="http://schemas.openxmlformats.org/presentationml/2006/main">
-  <p:cSld>
-    <p:spTree>
-      <p:nvGrpSpPr>
-        <p:cNvPr id="1" name=""/>
-        <p:cNvGrpSpPr/>
-        <p:nvPr/>
-      </p:nvGrpSpPr>
-      <p:grpSpPr>
-        <a:xfrm>
-          <a:off x="0" y="0"/>
-          <a:ext cx="0" cy="0"/>
-          <a:chOff x="0" y="0"/>
-          <a:chExt cx="0" cy="0"/>
-        </a:xfrm>
-      </p:grpSpPr>
-      <p:sp>
-        <p:nvSpPr>
-          <p:cNvPr id="2" name="Title 1">
-            <a:extLst>
-              <a:ext uri="{FF2B5EF4-FFF2-40B4-BE49-F238E27FC236}">
-                <a16:creationId xmlns:a16="http://schemas.microsoft.com/office/drawing/2014/main" id="{611749D1-95EC-A6E3-FFE8-8A60631C4E90}"/>
-              </a:ext>
-            </a:extLst>
-          </p:cNvPr>
-          <p:cNvSpPr>
-            <a:spLocks noGrp="1"/>
-          </p:cNvSpPr>
-          <p:nvPr>
-            <p:ph type="title"/>
-          </p:nvPr>
-        </p:nvSpPr>
-        <p:spPr>
-          <a:solidFill>
-            <a:srgbClr val="FFCC00"/>
-          </a:solidFill>
-        </p:spPr>
-        <p:txBody>
-          <a:bodyPr/>
-          <a:lstStyle/>
-          <a:p>
-            <a:r>
-              <a:rPr lang="en-US" dirty="0"/>
-              <a:t>Optimization Model</a:t>
-            </a:r>
-            <a:endParaRPr lang="en-NL" dirty="0"/>
-          </a:p>
-        </p:txBody>
-      </p:sp>
-      <p:graphicFrame>
-        <p:nvGraphicFramePr>
-          <p:cNvPr id="7" name="Content Placeholder 2">
-            <a:extLst>
-              <a:ext uri="{FF2B5EF4-FFF2-40B4-BE49-F238E27FC236}">
-                <a16:creationId xmlns:a16="http://schemas.microsoft.com/office/drawing/2014/main" id="{C3EFC60F-CF1C-133C-4C40-4485E3938EA2}"/>
-              </a:ext>
-            </a:extLst>
-          </p:cNvPr>
-          <p:cNvGraphicFramePr>
-            <a:graphicFrameLocks noGrp="1"/>
-          </p:cNvGraphicFramePr>
-          <p:nvPr>
-            <p:ph idx="1"/>
-            <p:extLst>
-              <p:ext uri="{D42A27DB-BD31-4B8C-83A1-F6EECF244321}">
-                <p14:modId xmlns:p14="http://schemas.microsoft.com/office/powerpoint/2010/main" val="3289274363"/>
-              </p:ext>
-            </p:extLst>
-          </p:nvPr>
-        </p:nvGraphicFramePr>
-        <p:xfrm>
-          <a:off x="628650" y="1825625"/>
-          <a:ext cx="7886700" cy="4351338"/>
-        </p:xfrm>
-        <a:graphic>
-          <a:graphicData uri="http://schemas.openxmlformats.org/drawingml/2006/diagram">
-            <dgm:relIds xmlns:dgm="http://schemas.openxmlformats.org/drawingml/2006/diagram" xmlns:r="http://schemas.openxmlformats.org/officeDocument/2006/relationships" r:dm="rId3" r:lo="rId4" r:qs="rId5" r:cs="rId6"/>
-          </a:graphicData>
-        </a:graphic>
-      </p:graphicFrame>
-      <p:sp>
-        <p:nvSpPr>
-          <p:cNvPr id="4" name="Slide Number Placeholder 3">
-            <a:extLst>
-              <a:ext uri="{FF2B5EF4-FFF2-40B4-BE49-F238E27FC236}">
-                <a16:creationId xmlns:a16="http://schemas.microsoft.com/office/drawing/2014/main" id="{274658B6-DC78-F6F8-95E3-3A5BEB5A22CA}"/>
-              </a:ext>
-            </a:extLst>
-          </p:cNvPr>
-          <p:cNvSpPr>
-            <a:spLocks noGrp="1"/>
-          </p:cNvSpPr>
-          <p:nvPr>
-            <p:ph type="sldNum" sz="quarter" idx="12"/>
-          </p:nvPr>
-        </p:nvSpPr>
-        <p:spPr/>
-        <p:txBody>
-          <a:bodyPr/>
-          <a:lstStyle/>
-          <a:p>
-            <a:fld id="{B2BA4014-25D3-44AC-9C1D-DFB8A3861794}" type="slidenum">
-              <a:rPr lang="en-NL" smtClean="0"/>
-              <a:t>9</a:t>
-            </a:fld>
-            <a:endParaRPr lang="en-NL"/>
-          </a:p>
-        </p:txBody>
-      </p:sp>
-      <p:pic>
-        <p:nvPicPr>
-          <p:cNvPr id="5" name="Picture 4" descr="A black background with blue text&#10;&#10;Description automatically generated">
-            <a:extLst>
-              <a:ext uri="{FF2B5EF4-FFF2-40B4-BE49-F238E27FC236}">
-                <a16:creationId xmlns:a16="http://schemas.microsoft.com/office/drawing/2014/main" id="{26CABAE3-933D-7B1F-BAFE-181D02872D6A}"/>
-              </a:ext>
-            </a:extLst>
-          </p:cNvPr>
-          <p:cNvPicPr>
-            <a:picLocks noChangeAspect="1"/>
-          </p:cNvPicPr>
-          <p:nvPr/>
-        </p:nvPicPr>
-        <p:blipFill>
-          <a:blip r:embed="rId8">
-            <a:extLst>
-              <a:ext uri="{28A0092B-C50C-407E-A947-70E740481C1C}">
-                <a14:useLocalDpi xmlns:a14="http://schemas.microsoft.com/office/drawing/2010/main" val="0"/>
-              </a:ext>
-            </a:extLst>
-          </a:blip>
-          <a:stretch>
-            <a:fillRect/>
-          </a:stretch>
-        </p:blipFill>
-        <p:spPr>
-          <a:xfrm>
-            <a:off x="6710266" y="5425311"/>
-            <a:ext cx="2159893" cy="1296165"/>
-          </a:xfrm>
-          <a:prstGeom prst="rect">
-            <a:avLst/>
-          </a:prstGeom>
-        </p:spPr>
-      </p:pic>
-    </p:spTree>
-    <p:extLst>
-      <p:ext uri="{BB962C8B-B14F-4D97-AF65-F5344CB8AC3E}">
-        <p14:creationId xmlns:p14="http://schemas.microsoft.com/office/powerpoint/2010/main" val="1150207299"/>
       </p:ext>
     </p:extLst>
   </p:cSld>

--- a/final_presentation.pptx
+++ b/final_presentation.pptx
@@ -5,7 +5,7 @@
     <p:sldMasterId id="2147483660" r:id="rId1"/>
   </p:sldMasterIdLst>
   <p:notesMasterIdLst>
-    <p:notesMasterId r:id="rId20"/>
+    <p:notesMasterId r:id="rId19"/>
   </p:notesMasterIdLst>
   <p:sldIdLst>
     <p:sldId id="256" r:id="rId2"/>
@@ -20,12 +20,11 @@
     <p:sldId id="270" r:id="rId11"/>
     <p:sldId id="271" r:id="rId12"/>
     <p:sldId id="272" r:id="rId13"/>
-    <p:sldId id="273" r:id="rId14"/>
-    <p:sldId id="261" r:id="rId15"/>
-    <p:sldId id="263" r:id="rId16"/>
-    <p:sldId id="264" r:id="rId17"/>
-    <p:sldId id="265" r:id="rId18"/>
-    <p:sldId id="266" r:id="rId19"/>
+    <p:sldId id="261" r:id="rId14"/>
+    <p:sldId id="263" r:id="rId15"/>
+    <p:sldId id="264" r:id="rId16"/>
+    <p:sldId id="265" r:id="rId17"/>
+    <p:sldId id="266" r:id="rId18"/>
   </p:sldIdLst>
   <p:sldSz cx="9144000" cy="6858000" type="screen4x3"/>
   <p:notesSz cx="6858000" cy="9144000"/>
@@ -6812,7 +6811,7 @@
     </p:spTree>
     <p:extLst>
       <p:ext uri="{BB962C8B-B14F-4D97-AF65-F5344CB8AC3E}">
-        <p14:creationId xmlns:p14="http://schemas.microsoft.com/office/powerpoint/2010/main" val="668239073"/>
+        <p14:creationId xmlns:p14="http://schemas.microsoft.com/office/powerpoint/2010/main" val="4155156749"/>
       </p:ext>
     </p:extLst>
   </p:cSld>
@@ -6868,7 +6867,7 @@
           <a:p>
             <a:r>
               <a:rPr lang="en-US" dirty="0"/>
-              <a:t>My findings indicate that upgrading the CPU is the most beneficial across all tiers, as it has a significant impact on overall system performance. Disk upgrades also show considerable benefits, particularly in the higher quantiles. However, while GPU upgrades do enhance performance, they are less cost-effective due to their higher prices. Memory upgrades, on the other hand, have minimal effect on extending the system’s lifespan.</a:t>
+              <a:t>These findings have important implications for marketing strategies. Companies can target specific components for upgrades in their campaigns, particularly focusing on CPUs and disks. There is also an opportunity to promote sustainability by encouraging consumers to upgrade rather than replace their entire systems. Product bundling, where the most impactful upgrades are offered together, could also be a successful strategy.</a:t>
             </a:r>
             <a:endParaRPr lang="nl-NL" dirty="0"/>
           </a:p>
@@ -6900,7 +6899,7 @@
     </p:spTree>
     <p:extLst>
       <p:ext uri="{BB962C8B-B14F-4D97-AF65-F5344CB8AC3E}">
-        <p14:creationId xmlns:p14="http://schemas.microsoft.com/office/powerpoint/2010/main" val="4155156749"/>
+        <p14:creationId xmlns:p14="http://schemas.microsoft.com/office/powerpoint/2010/main" val="1465083477"/>
       </p:ext>
     </p:extLst>
   </p:cSld>
@@ -6956,7 +6955,7 @@
           <a:p>
             <a:r>
               <a:rPr lang="en-US" dirty="0"/>
-              <a:t>These findings have important implications for marketing strategies. Companies can target specific components for upgrades in their campaigns, particularly focusing on CPUs and disks. There is also an opportunity to promote sustainability by encouraging consumers to upgrade rather than replace their entire systems. Product bundling, where the most impactful upgrades are offered together, could also be a successful strategy.</a:t>
+              <a:t>Like any study, my research has its limitations. The focus was primarily on a specific set of components—CPUs, GPUs, disks, and memory—excluding others like motherboards and power supplies. Additionally, the price assumptions in the model are based on inflation-adjusted values, which may not fully capture market dynamics. Lastly, the model is constrained to the scope of component upgrades, which might not fully reflect real-world scenarios where other factors come into play.</a:t>
             </a:r>
             <a:endParaRPr lang="nl-NL" dirty="0"/>
           </a:p>
@@ -6988,7 +6987,7 @@
     </p:spTree>
     <p:extLst>
       <p:ext uri="{BB962C8B-B14F-4D97-AF65-F5344CB8AC3E}">
-        <p14:creationId xmlns:p14="http://schemas.microsoft.com/office/powerpoint/2010/main" val="1465083477"/>
+        <p14:creationId xmlns:p14="http://schemas.microsoft.com/office/powerpoint/2010/main" val="3170936697"/>
       </p:ext>
     </p:extLst>
   </p:cSld>
@@ -7044,7 +7043,7 @@
           <a:p>
             <a:r>
               <a:rPr lang="en-US" dirty="0"/>
-              <a:t>Like any study, my research has its limitations. The focus was primarily on a specific set of components—CPUs, GPUs, disks, and memory—excluding others like motherboards and power supplies. Additionally, the price assumptions in the model are based on inflation-adjusted values, which may not fully capture market dynamics. Lastly, the model is constrained to the scope of component upgrades, which might not fully reflect real-world scenarios where other factors come into play.</a:t>
+              <a:t>In conclusion, my research demonstrates that Product Lifetime Extension strategies can effectively extend the lifespan of personal computers, reduce costs, and lower carbon emissions. These strategies are not only practical but also align with the growing need for sustainability in technology. Looking forward, further research could expand on these findings by including more components and exploring other types of electronic devices.</a:t>
             </a:r>
             <a:endParaRPr lang="nl-NL" dirty="0"/>
           </a:p>
@@ -7076,7 +7075,7 @@
     </p:spTree>
     <p:extLst>
       <p:ext uri="{BB962C8B-B14F-4D97-AF65-F5344CB8AC3E}">
-        <p14:creationId xmlns:p14="http://schemas.microsoft.com/office/powerpoint/2010/main" val="3170936697"/>
+        <p14:creationId xmlns:p14="http://schemas.microsoft.com/office/powerpoint/2010/main" val="761748923"/>
       </p:ext>
     </p:extLst>
   </p:cSld>
@@ -7132,7 +7131,7 @@
           <a:p>
             <a:r>
               <a:rPr lang="en-US" dirty="0"/>
-              <a:t>In conclusion, my research demonstrates that Product Lifetime Extension strategies can effectively extend the lifespan of personal computers, reduce costs, and lower carbon emissions. These strategies are not only practical but also align with the growing need for sustainability in technology. Looking forward, further research could expand on these findings by including more components and exploring other types of electronic devices.</a:t>
+              <a:t>I would like to express my gratitude to my supervisors, Prof. Dr. R. Dekker and Prof. N.M. Almeida Camacho, for their invaluable guidance and support throughout this research. I also want to thank Erasmus School of Economics for providing the resources and academic environment that made this work possible.</a:t>
             </a:r>
             <a:endParaRPr lang="nl-NL" dirty="0"/>
           </a:p>
@@ -7156,94 +7155,6 @@
             <a:fld id="{372344F9-C7DA-4748-85C2-39757F2A572B}" type="slidenum">
               <a:rPr lang="nl-NL" smtClean="0"/>
               <a:t>17</a:t>
-            </a:fld>
-            <a:endParaRPr lang="nl-NL"/>
-          </a:p>
-        </p:txBody>
-      </p:sp>
-    </p:spTree>
-    <p:extLst>
-      <p:ext uri="{BB962C8B-B14F-4D97-AF65-F5344CB8AC3E}">
-        <p14:creationId xmlns:p14="http://schemas.microsoft.com/office/powerpoint/2010/main" val="761748923"/>
-      </p:ext>
-    </p:extLst>
-  </p:cSld>
-  <p:clrMapOvr>
-    <a:masterClrMapping/>
-  </p:clrMapOvr>
-</p:notes>
-</file>
-
-<file path=ppt/notesSlides/notesSlide15.xml><?xml version="1.0" encoding="utf-8"?>
-<p:notes xmlns:a="http://schemas.openxmlformats.org/drawingml/2006/main" xmlns:r="http://schemas.openxmlformats.org/officeDocument/2006/relationships" xmlns:p="http://schemas.openxmlformats.org/presentationml/2006/main">
-  <p:cSld>
-    <p:spTree>
-      <p:nvGrpSpPr>
-        <p:cNvPr id="1" name=""/>
-        <p:cNvGrpSpPr/>
-        <p:nvPr/>
-      </p:nvGrpSpPr>
-      <p:grpSpPr>
-        <a:xfrm>
-          <a:off x="0" y="0"/>
-          <a:ext cx="0" cy="0"/>
-          <a:chOff x="0" y="0"/>
-          <a:chExt cx="0" cy="0"/>
-        </a:xfrm>
-      </p:grpSpPr>
-      <p:sp>
-        <p:nvSpPr>
-          <p:cNvPr id="2" name="Slide Image Placeholder 1"/>
-          <p:cNvSpPr>
-            <a:spLocks noGrp="1" noRot="1" noChangeAspect="1"/>
-          </p:cNvSpPr>
-          <p:nvPr>
-            <p:ph type="sldImg"/>
-          </p:nvPr>
-        </p:nvSpPr>
-        <p:spPr/>
-      </p:sp>
-      <p:sp>
-        <p:nvSpPr>
-          <p:cNvPr id="3" name="Notes Placeholder 2"/>
-          <p:cNvSpPr>
-            <a:spLocks noGrp="1"/>
-          </p:cNvSpPr>
-          <p:nvPr>
-            <p:ph type="body" idx="1"/>
-          </p:nvPr>
-        </p:nvSpPr>
-        <p:spPr/>
-        <p:txBody>
-          <a:bodyPr/>
-          <a:lstStyle/>
-          <a:p>
-            <a:r>
-              <a:rPr lang="en-US" dirty="0"/>
-              <a:t>I would like to express my gratitude to my supervisors, Prof. Dr. R. Dekker and Prof. N.M. Almeida Camacho, for their invaluable guidance and support throughout this research. I also want to thank Erasmus School of Economics for providing the resources and academic environment that made this work possible.</a:t>
-            </a:r>
-            <a:endParaRPr lang="nl-NL" dirty="0"/>
-          </a:p>
-        </p:txBody>
-      </p:sp>
-      <p:sp>
-        <p:nvSpPr>
-          <p:cNvPr id="4" name="Slide Number Placeholder 3"/>
-          <p:cNvSpPr>
-            <a:spLocks noGrp="1"/>
-          </p:cNvSpPr>
-          <p:nvPr>
-            <p:ph type="sldNum" sz="quarter" idx="5"/>
-          </p:nvPr>
-        </p:nvSpPr>
-        <p:spPr/>
-        <p:txBody>
-          <a:bodyPr/>
-          <a:lstStyle/>
-          <a:p>
-            <a:fld id="{372344F9-C7DA-4748-85C2-39757F2A572B}" type="slidenum">
-              <a:rPr lang="nl-NL" smtClean="0"/>
-              <a:t>18</a:t>
             </a:fld>
             <a:endParaRPr lang="nl-NL"/>
           </a:p>
@@ -11221,7 +11132,7 @@
           <a:p>
             <a:r>
               <a:rPr lang="en-US" sz="1800" dirty="0"/>
-              <a:t>Average sustainability is 47.8 kg/year</a:t>
+              <a:t>Average emission is 47.8 kg/year</a:t>
             </a:r>
           </a:p>
           <a:p>
@@ -11764,7 +11675,54 @@
           <a:p>
             <a:r>
               <a:rPr lang="en-US" dirty="0"/>
-              <a:t>Broken Component</a:t>
+              <a:t>Key Findings</a:t>
+            </a:r>
+            <a:endParaRPr lang="en-NL" dirty="0"/>
+          </a:p>
+        </p:txBody>
+      </p:sp>
+      <p:sp>
+        <p:nvSpPr>
+          <p:cNvPr id="3" name="Content Placeholder 2">
+            <a:extLst>
+              <a:ext uri="{FF2B5EF4-FFF2-40B4-BE49-F238E27FC236}">
+                <a16:creationId xmlns:a16="http://schemas.microsoft.com/office/drawing/2014/main" id="{AEB75F42-0959-E1C3-5CDF-16C09D4464B7}"/>
+              </a:ext>
+            </a:extLst>
+          </p:cNvPr>
+          <p:cNvSpPr>
+            <a:spLocks noGrp="1"/>
+          </p:cNvSpPr>
+          <p:nvPr>
+            <p:ph idx="1"/>
+          </p:nvPr>
+        </p:nvSpPr>
+        <p:spPr/>
+        <p:txBody>
+          <a:bodyPr/>
+          <a:lstStyle/>
+          <a:p>
+            <a:r>
+              <a:rPr lang="en-US" dirty="0"/>
+              <a:t>CPU: High impact on performance, most beneficial to upgrade</a:t>
+            </a:r>
+          </a:p>
+          <a:p>
+            <a:r>
+              <a:rPr lang="en-US" dirty="0"/>
+              <a:t>Disk: Significant benefits in higher quantiles</a:t>
+            </a:r>
+          </a:p>
+          <a:p>
+            <a:r>
+              <a:rPr lang="en-US" dirty="0"/>
+              <a:t>GPU: High performance impact, less cost-effective due price</a:t>
+            </a:r>
+          </a:p>
+          <a:p>
+            <a:r>
+              <a:rPr lang="en-US" dirty="0"/>
+              <a:t>Memory: Minimal effect on extending system lifespan</a:t>
             </a:r>
             <a:endParaRPr lang="en-NL" dirty="0"/>
           </a:p>
@@ -11794,236 +11752,6 @@
             <a:fld id="{B2BA4014-25D3-44AC-9C1D-DFB8A3861794}" type="slidenum">
               <a:rPr lang="en-NL" smtClean="0"/>
               <a:t>13</a:t>
-            </a:fld>
-            <a:endParaRPr lang="en-NL"/>
-          </a:p>
-        </p:txBody>
-      </p:sp>
-      <p:pic>
-        <p:nvPicPr>
-          <p:cNvPr id="5" name="Picture 4" descr="A black background with blue text&#10;&#10;Description automatically generated">
-            <a:extLst>
-              <a:ext uri="{FF2B5EF4-FFF2-40B4-BE49-F238E27FC236}">
-                <a16:creationId xmlns:a16="http://schemas.microsoft.com/office/drawing/2014/main" id="{8A74F12D-44E4-A566-ED0E-A1408697BC36}"/>
-              </a:ext>
-            </a:extLst>
-          </p:cNvPr>
-          <p:cNvPicPr>
-            <a:picLocks noChangeAspect="1"/>
-          </p:cNvPicPr>
-          <p:nvPr/>
-        </p:nvPicPr>
-        <p:blipFill>
-          <a:blip r:embed="rId3">
-            <a:extLst>
-              <a:ext uri="{28A0092B-C50C-407E-A947-70E740481C1C}">
-                <a14:useLocalDpi xmlns:a14="http://schemas.microsoft.com/office/drawing/2010/main" val="0"/>
-              </a:ext>
-            </a:extLst>
-          </a:blip>
-          <a:stretch>
-            <a:fillRect/>
-          </a:stretch>
-        </p:blipFill>
-        <p:spPr>
-          <a:xfrm>
-            <a:off x="6710266" y="5425311"/>
-            <a:ext cx="2159893" cy="1296165"/>
-          </a:xfrm>
-          <a:prstGeom prst="rect">
-            <a:avLst/>
-          </a:prstGeom>
-        </p:spPr>
-      </p:pic>
-      <p:sp>
-        <p:nvSpPr>
-          <p:cNvPr id="7" name="Content Placeholder 6">
-            <a:extLst>
-              <a:ext uri="{FF2B5EF4-FFF2-40B4-BE49-F238E27FC236}">
-                <a16:creationId xmlns:a16="http://schemas.microsoft.com/office/drawing/2014/main" id="{C72FD987-B4B0-9CF4-50B5-9472320AAC33}"/>
-              </a:ext>
-            </a:extLst>
-          </p:cNvPr>
-          <p:cNvSpPr>
-            <a:spLocks noGrp="1"/>
-          </p:cNvSpPr>
-          <p:nvPr>
-            <p:ph idx="1"/>
-          </p:nvPr>
-        </p:nvSpPr>
-        <p:spPr/>
-        <p:txBody>
-          <a:bodyPr/>
-          <a:lstStyle/>
-          <a:p>
-            <a:endParaRPr lang="nl-NL"/>
-          </a:p>
-        </p:txBody>
-      </p:sp>
-      <p:pic>
-        <p:nvPicPr>
-          <p:cNvPr id="9" name="Picture 8">
-            <a:extLst>
-              <a:ext uri="{FF2B5EF4-FFF2-40B4-BE49-F238E27FC236}">
-                <a16:creationId xmlns:a16="http://schemas.microsoft.com/office/drawing/2014/main" id="{E7A4DDB2-2239-160B-9E13-51BDE23ACC83}"/>
-              </a:ext>
-            </a:extLst>
-          </p:cNvPr>
-          <p:cNvPicPr>
-            <a:picLocks noChangeAspect="1"/>
-          </p:cNvPicPr>
-          <p:nvPr/>
-        </p:nvPicPr>
-        <p:blipFill>
-          <a:blip r:embed="rId4"/>
-          <a:stretch>
-            <a:fillRect/>
-          </a:stretch>
-        </p:blipFill>
-        <p:spPr>
-          <a:xfrm>
-            <a:off x="842630" y="1821258"/>
-            <a:ext cx="7458740" cy="4360072"/>
-          </a:xfrm>
-          <a:prstGeom prst="rect">
-            <a:avLst/>
-          </a:prstGeom>
-        </p:spPr>
-      </p:pic>
-    </p:spTree>
-    <p:extLst>
-      <p:ext uri="{BB962C8B-B14F-4D97-AF65-F5344CB8AC3E}">
-        <p14:creationId xmlns:p14="http://schemas.microsoft.com/office/powerpoint/2010/main" val="1266557410"/>
-      </p:ext>
-    </p:extLst>
-  </p:cSld>
-  <p:clrMapOvr>
-    <a:masterClrMapping/>
-  </p:clrMapOvr>
-</p:sld>
-</file>
-
-<file path=ppt/slides/slide14.xml><?xml version="1.0" encoding="utf-8"?>
-<p:sld xmlns:a="http://schemas.openxmlformats.org/drawingml/2006/main" xmlns:r="http://schemas.openxmlformats.org/officeDocument/2006/relationships" xmlns:p="http://schemas.openxmlformats.org/presentationml/2006/main">
-  <p:cSld>
-    <p:spTree>
-      <p:nvGrpSpPr>
-        <p:cNvPr id="1" name=""/>
-        <p:cNvGrpSpPr/>
-        <p:nvPr/>
-      </p:nvGrpSpPr>
-      <p:grpSpPr>
-        <a:xfrm>
-          <a:off x="0" y="0"/>
-          <a:ext cx="0" cy="0"/>
-          <a:chOff x="0" y="0"/>
-          <a:chExt cx="0" cy="0"/>
-        </a:xfrm>
-      </p:grpSpPr>
-      <p:sp>
-        <p:nvSpPr>
-          <p:cNvPr id="2" name="Title 1">
-            <a:extLst>
-              <a:ext uri="{FF2B5EF4-FFF2-40B4-BE49-F238E27FC236}">
-                <a16:creationId xmlns:a16="http://schemas.microsoft.com/office/drawing/2014/main" id="{99764DB8-E38C-4037-2B1B-DB190AF12855}"/>
-              </a:ext>
-            </a:extLst>
-          </p:cNvPr>
-          <p:cNvSpPr>
-            <a:spLocks noGrp="1"/>
-          </p:cNvSpPr>
-          <p:nvPr>
-            <p:ph type="title"/>
-          </p:nvPr>
-        </p:nvSpPr>
-        <p:spPr>
-          <a:solidFill>
-            <a:srgbClr val="FFCC00"/>
-          </a:solidFill>
-        </p:spPr>
-        <p:txBody>
-          <a:bodyPr/>
-          <a:lstStyle/>
-          <a:p>
-            <a:r>
-              <a:rPr lang="en-US" dirty="0"/>
-              <a:t>Key Findings</a:t>
-            </a:r>
-            <a:endParaRPr lang="en-NL" dirty="0"/>
-          </a:p>
-        </p:txBody>
-      </p:sp>
-      <p:sp>
-        <p:nvSpPr>
-          <p:cNvPr id="3" name="Content Placeholder 2">
-            <a:extLst>
-              <a:ext uri="{FF2B5EF4-FFF2-40B4-BE49-F238E27FC236}">
-                <a16:creationId xmlns:a16="http://schemas.microsoft.com/office/drawing/2014/main" id="{AEB75F42-0959-E1C3-5CDF-16C09D4464B7}"/>
-              </a:ext>
-            </a:extLst>
-          </p:cNvPr>
-          <p:cNvSpPr>
-            <a:spLocks noGrp="1"/>
-          </p:cNvSpPr>
-          <p:nvPr>
-            <p:ph idx="1"/>
-          </p:nvPr>
-        </p:nvSpPr>
-        <p:spPr/>
-        <p:txBody>
-          <a:bodyPr/>
-          <a:lstStyle/>
-          <a:p>
-            <a:r>
-              <a:rPr lang="en-US" dirty="0"/>
-              <a:t>CPU: High impact on performance, most beneficial to upgrade</a:t>
-            </a:r>
-          </a:p>
-          <a:p>
-            <a:r>
-              <a:rPr lang="en-US" dirty="0"/>
-              <a:t>Disk: Significant benefits in higher quantiles</a:t>
-            </a:r>
-          </a:p>
-          <a:p>
-            <a:r>
-              <a:rPr lang="en-US" dirty="0"/>
-              <a:t>GPU: High performance impact, less cost-effective due price</a:t>
-            </a:r>
-          </a:p>
-          <a:p>
-            <a:r>
-              <a:rPr lang="en-US" dirty="0"/>
-              <a:t>Memory: Minimal effect on extending system lifespan</a:t>
-            </a:r>
-            <a:endParaRPr lang="en-NL" dirty="0"/>
-          </a:p>
-        </p:txBody>
-      </p:sp>
-      <p:sp>
-        <p:nvSpPr>
-          <p:cNvPr id="4" name="Slide Number Placeholder 3">
-            <a:extLst>
-              <a:ext uri="{FF2B5EF4-FFF2-40B4-BE49-F238E27FC236}">
-                <a16:creationId xmlns:a16="http://schemas.microsoft.com/office/drawing/2014/main" id="{D9F815F4-522E-3009-05F3-1018631C0519}"/>
-              </a:ext>
-            </a:extLst>
-          </p:cNvPr>
-          <p:cNvSpPr>
-            <a:spLocks noGrp="1"/>
-          </p:cNvSpPr>
-          <p:nvPr>
-            <p:ph type="sldNum" sz="quarter" idx="12"/>
-          </p:nvPr>
-        </p:nvSpPr>
-        <p:spPr/>
-        <p:txBody>
-          <a:bodyPr/>
-          <a:lstStyle/>
-          <a:p>
-            <a:fld id="{B2BA4014-25D3-44AC-9C1D-DFB8A3861794}" type="slidenum">
-              <a:rPr lang="en-NL" smtClean="0"/>
-              <a:t>14</a:t>
             </a:fld>
             <a:endParaRPr lang="en-NL"/>
           </a:p>
@@ -12078,7 +11806,7 @@
 </p:sld>
 </file>
 
-<file path=ppt/slides/slide15.xml><?xml version="1.0" encoding="utf-8"?>
+<file path=ppt/slides/slide14.xml><?xml version="1.0" encoding="utf-8"?>
 <p:sld xmlns:a="http://schemas.openxmlformats.org/drawingml/2006/main" xmlns:r="http://schemas.openxmlformats.org/officeDocument/2006/relationships" xmlns:p="http://schemas.openxmlformats.org/presentationml/2006/main">
   <p:cSld>
     <p:spTree>
@@ -12192,7 +11920,7 @@
           <a:p>
             <a:fld id="{B2BA4014-25D3-44AC-9C1D-DFB8A3861794}" type="slidenum">
               <a:rPr lang="en-NL" smtClean="0"/>
-              <a:t>15</a:t>
+              <a:t>14</a:t>
             </a:fld>
             <a:endParaRPr lang="en-NL"/>
           </a:p>
@@ -12247,7 +11975,7 @@
 </p:sld>
 </file>
 
-<file path=ppt/slides/slide16.xml><?xml version="1.0" encoding="utf-8"?>
+<file path=ppt/slides/slide15.xml><?xml version="1.0" encoding="utf-8"?>
 <p:sld xmlns:a="http://schemas.openxmlformats.org/drawingml/2006/main" xmlns:r="http://schemas.openxmlformats.org/officeDocument/2006/relationships" xmlns:p="http://schemas.openxmlformats.org/presentationml/2006/main">
   <p:cSld>
     <p:spTree>
@@ -12354,7 +12082,7 @@
           <a:p>
             <a:fld id="{B2BA4014-25D3-44AC-9C1D-DFB8A3861794}" type="slidenum">
               <a:rPr lang="en-NL" smtClean="0"/>
-              <a:t>16</a:t>
+              <a:t>15</a:t>
             </a:fld>
             <a:endParaRPr lang="en-NL"/>
           </a:p>
@@ -12409,7 +12137,7 @@
 </p:sld>
 </file>
 
-<file path=ppt/slides/slide17.xml><?xml version="1.0" encoding="utf-8"?>
+<file path=ppt/slides/slide16.xml><?xml version="1.0" encoding="utf-8"?>
 <p:sld xmlns:a="http://schemas.openxmlformats.org/drawingml/2006/main" xmlns:r="http://schemas.openxmlformats.org/officeDocument/2006/relationships" xmlns:p="http://schemas.openxmlformats.org/presentationml/2006/main">
   <p:cSld>
     <p:spTree>
@@ -12523,7 +12251,7 @@
           <a:p>
             <a:fld id="{B2BA4014-25D3-44AC-9C1D-DFB8A3861794}" type="slidenum">
               <a:rPr lang="en-NL" smtClean="0"/>
-              <a:t>17</a:t>
+              <a:t>16</a:t>
             </a:fld>
             <a:endParaRPr lang="en-NL"/>
           </a:p>
@@ -12578,7 +12306,7 @@
 </p:sld>
 </file>
 
-<file path=ppt/slides/slide18.xml><?xml version="1.0" encoding="utf-8"?>
+<file path=ppt/slides/slide17.xml><?xml version="1.0" encoding="utf-8"?>
 <p:sld xmlns:a="http://schemas.openxmlformats.org/drawingml/2006/main" xmlns:r="http://schemas.openxmlformats.org/officeDocument/2006/relationships" xmlns:p="http://schemas.openxmlformats.org/presentationml/2006/main">
   <p:cSld>
     <p:spTree>
@@ -12700,7 +12428,7 @@
           <a:p>
             <a:fld id="{B2BA4014-25D3-44AC-9C1D-DFB8A3861794}" type="slidenum">
               <a:rPr lang="en-NL" smtClean="0"/>
-              <a:t>18</a:t>
+              <a:t>17</a:t>
             </a:fld>
             <a:endParaRPr lang="en-NL"/>
           </a:p>
